--- a/Document Remise Final/Présentation finale (le power point)/Workout_Tracker_Presentation.pptx
+++ b/Document Remise Final/Présentation finale (le power point)/Workout_Tracker_Presentation.pptx
@@ -4287,11 +4287,7 @@
             </a:r>
             <a:r>
               <a:rPr lang="fr-CA" sz="5400" dirty="0" err="1"/>
-              <a:t>Back-End</a:t>
-            </a:r>
-            <a:r>
-              <a:rPr lang="fr-CA" sz="5400" dirty="0"/>
-              <a:t> </a:t>
+              <a:t>Front-End</a:t>
             </a:r>
             <a:endParaRPr lang="en-CA" sz="5400" dirty="0"/>
           </a:p>
